--- a/Lecture Slides/VideoLectureSlides/11.2.pptx
+++ b/Lecture Slides/VideoLectureSlides/11.2.pptx
@@ -5,7 +5,7 @@
     <p:sldMasterId id="2147483660" r:id="rId4"/>
   </p:sldMasterIdLst>
   <p:notesMasterIdLst>
-    <p:notesMasterId r:id="rId17"/>
+    <p:notesMasterId r:id="rId19"/>
   </p:notesMasterIdLst>
   <p:sldIdLst>
     <p:sldId id="256" r:id="rId5"/>
@@ -19,7 +19,9 @@
     <p:sldId id="268" r:id="rId13"/>
     <p:sldId id="287" r:id="rId14"/>
     <p:sldId id="288" r:id="rId15"/>
-    <p:sldId id="286" r:id="rId16"/>
+    <p:sldId id="290" r:id="rId16"/>
+    <p:sldId id="286" r:id="rId17"/>
+    <p:sldId id="291" r:id="rId18"/>
   </p:sldIdLst>
   <p:sldSz cx="9144000" cy="6858000" type="screen4x3"/>
   <p:notesSz cx="6858000" cy="9144000"/>
@@ -233,7 +235,7 @@
           <a:p>
             <a:fld id="{1AA1AB63-216F-4D5B-8811-CCB935E98D4A}" type="datetimeFigureOut">
               <a:rPr lang="en-US" smtClean="0"/>
-              <a:t>12/30/2020</a:t>
+              <a:t>2/28/2022</a:t>
             </a:fld>
             <a:endParaRPr lang="en-US" dirty="0"/>
           </a:p>
@@ -3875,6 +3877,362 @@
         <p:spPr>
           <a:xfrm>
             <a:off x="457200" y="1600201"/>
+            <a:ext cx="8229600" cy="1828799"/>
+          </a:xfrm>
+        </p:spPr>
+        <p:txBody>
+          <a:bodyPr>
+            <a:normAutofit fontScale="85000" lnSpcReduction="20000"/>
+          </a:bodyPr>
+          <a:lstStyle/>
+          <a:p>
+            <a:r>
+              <a:rPr lang="en-US" dirty="0"/>
+              <a:t>A tennis ball is dropped from rest from a height of 3 meters. It impacts the ground and bounces back to a maximum height of 2 meters after the impact. What is the coefficient of restitution for the tennis ball on this surface?</a:t>
+            </a:r>
+          </a:p>
+        </p:txBody>
+      </p:sp>
+      <p:pic>
+        <p:nvPicPr>
+          <p:cNvPr id="1026" name="Picture 2" descr="Ball, Tennis, Sport, Round, Circle, Athlete, Object">
+            <a:extLst>
+              <a:ext uri="{FF2B5EF4-FFF2-40B4-BE49-F238E27FC236}">
+                <a16:creationId xmlns:a16="http://schemas.microsoft.com/office/drawing/2014/main" id="{C3DE3C34-18A0-40E2-8627-9C239E24BF84}"/>
+              </a:ext>
+            </a:extLst>
+          </p:cNvPr>
+          <p:cNvPicPr>
+            <a:picLocks noChangeAspect="1" noChangeArrowheads="1"/>
+          </p:cNvPicPr>
+          <p:nvPr/>
+        </p:nvPicPr>
+        <p:blipFill>
+          <a:blip r:embed="rId2" cstate="print">
+            <a:extLst>
+              <a:ext uri="{28A0092B-C50C-407E-A947-70E740481C1C}">
+                <a14:useLocalDpi xmlns:a14="http://schemas.microsoft.com/office/drawing/2010/main" val="0"/>
+              </a:ext>
+            </a:extLst>
+          </a:blip>
+          <a:srcRect/>
+          <a:stretch>
+            <a:fillRect/>
+          </a:stretch>
+        </p:blipFill>
+        <p:spPr bwMode="auto">
+          <a:xfrm>
+            <a:off x="4295670" y="5791200"/>
+            <a:ext cx="552660" cy="366713"/>
+          </a:xfrm>
+          <a:prstGeom prst="rect">
+            <a:avLst/>
+          </a:prstGeom>
+          <a:noFill/>
+          <a:extLst>
+            <a:ext uri="{909E8E84-426E-40DD-AFC4-6F175D3DCCD1}">
+              <a14:hiddenFill xmlns:a14="http://schemas.microsoft.com/office/drawing/2010/main">
+                <a:solidFill>
+                  <a:srgbClr val="FFFFFF"/>
+                </a:solidFill>
+              </a14:hiddenFill>
+            </a:ext>
+          </a:extLst>
+        </p:spPr>
+      </p:pic>
+      <p:sp>
+        <p:nvSpPr>
+          <p:cNvPr id="5" name="Rectangle 4">
+            <a:extLst>
+              <a:ext uri="{FF2B5EF4-FFF2-40B4-BE49-F238E27FC236}">
+                <a16:creationId xmlns:a16="http://schemas.microsoft.com/office/drawing/2014/main" id="{6D37767B-FF30-4231-BA65-61FE26397EBB}"/>
+              </a:ext>
+            </a:extLst>
+          </p:cNvPr>
+          <p:cNvSpPr/>
+          <p:nvPr/>
+        </p:nvSpPr>
+        <p:spPr>
+          <a:xfrm>
+            <a:off x="2171700" y="6153151"/>
+            <a:ext cx="4800600" cy="685800"/>
+          </a:xfrm>
+          <a:prstGeom prst="rect">
+            <a:avLst/>
+          </a:prstGeom>
+        </p:spPr>
+        <p:style>
+          <a:lnRef idx="2">
+            <a:schemeClr val="accent2">
+              <a:shade val="50000"/>
+            </a:schemeClr>
+          </a:lnRef>
+          <a:fillRef idx="1">
+            <a:schemeClr val="accent2"/>
+          </a:fillRef>
+          <a:effectRef idx="0">
+            <a:schemeClr val="accent2"/>
+          </a:effectRef>
+          <a:fontRef idx="minor">
+            <a:schemeClr val="lt1"/>
+          </a:fontRef>
+        </p:style>
+        <p:txBody>
+          <a:bodyPr rtlCol="0" anchor="ctr"/>
+          <a:lstStyle/>
+          <a:p>
+            <a:pPr algn="ctr"/>
+            <a:endParaRPr lang="en-US"/>
+          </a:p>
+        </p:txBody>
+      </p:sp>
+      <p:cxnSp>
+        <p:nvCxnSpPr>
+          <p:cNvPr id="7" name="Straight Arrow Connector 6">
+            <a:extLst>
+              <a:ext uri="{FF2B5EF4-FFF2-40B4-BE49-F238E27FC236}">
+                <a16:creationId xmlns:a16="http://schemas.microsoft.com/office/drawing/2014/main" id="{1A6863B2-FC19-48DA-9EC7-A5A72C876117}"/>
+              </a:ext>
+            </a:extLst>
+          </p:cNvPr>
+          <p:cNvCxnSpPr/>
+          <p:nvPr/>
+        </p:nvCxnSpPr>
+        <p:spPr>
+          <a:xfrm>
+            <a:off x="4495800" y="3886200"/>
+            <a:ext cx="0" cy="1905000"/>
+          </a:xfrm>
+          <a:prstGeom prst="straightConnector1">
+            <a:avLst/>
+          </a:prstGeom>
+          <a:ln w="9525" cap="flat" cmpd="sng" algn="ctr">
+            <a:solidFill>
+              <a:schemeClr val="accent1"/>
+            </a:solidFill>
+            <a:prstDash val="dash"/>
+            <a:round/>
+            <a:headEnd type="none" w="med" len="med"/>
+            <a:tailEnd type="arrow" w="med" len="med"/>
+          </a:ln>
+        </p:spPr>
+        <p:style>
+          <a:lnRef idx="0">
+            <a:scrgbClr r="0" g="0" b="0"/>
+          </a:lnRef>
+          <a:fillRef idx="0">
+            <a:scrgbClr r="0" g="0" b="0"/>
+          </a:fillRef>
+          <a:effectRef idx="0">
+            <a:scrgbClr r="0" g="0" b="0"/>
+          </a:effectRef>
+          <a:fontRef idx="minor">
+            <a:schemeClr val="tx1"/>
+          </a:fontRef>
+        </p:style>
+      </p:cxnSp>
+      <p:cxnSp>
+        <p:nvCxnSpPr>
+          <p:cNvPr id="9" name="Straight Arrow Connector 8">
+            <a:extLst>
+              <a:ext uri="{FF2B5EF4-FFF2-40B4-BE49-F238E27FC236}">
+                <a16:creationId xmlns:a16="http://schemas.microsoft.com/office/drawing/2014/main" id="{F06F933C-4163-433B-B4DB-62A9E9C69291}"/>
+              </a:ext>
+            </a:extLst>
+          </p:cNvPr>
+          <p:cNvCxnSpPr>
+            <a:cxnSpLocks/>
+          </p:cNvCxnSpPr>
+          <p:nvPr/>
+        </p:nvCxnSpPr>
+        <p:spPr>
+          <a:xfrm flipV="1">
+            <a:off x="4648200" y="4343400"/>
+            <a:ext cx="0" cy="1409700"/>
+          </a:xfrm>
+          <a:prstGeom prst="straightConnector1">
+            <a:avLst/>
+          </a:prstGeom>
+          <a:ln w="9525" cap="flat" cmpd="sng" algn="ctr">
+            <a:solidFill>
+              <a:schemeClr val="accent1"/>
+            </a:solidFill>
+            <a:prstDash val="dash"/>
+            <a:round/>
+            <a:headEnd type="none" w="med" len="med"/>
+            <a:tailEnd type="arrow" w="med" len="med"/>
+          </a:ln>
+        </p:spPr>
+        <p:style>
+          <a:lnRef idx="0">
+            <a:scrgbClr r="0" g="0" b="0"/>
+          </a:lnRef>
+          <a:fillRef idx="0">
+            <a:scrgbClr r="0" g="0" b="0"/>
+          </a:fillRef>
+          <a:effectRef idx="0">
+            <a:scrgbClr r="0" g="0" b="0"/>
+          </a:effectRef>
+          <a:fontRef idx="minor">
+            <a:schemeClr val="tx1"/>
+          </a:fontRef>
+        </p:style>
+      </p:cxnSp>
+      <p:sp>
+        <p:nvSpPr>
+          <p:cNvPr id="12" name="TextBox 11">
+            <a:extLst>
+              <a:ext uri="{FF2B5EF4-FFF2-40B4-BE49-F238E27FC236}">
+                <a16:creationId xmlns:a16="http://schemas.microsoft.com/office/drawing/2014/main" id="{9DFA2BBA-2833-4546-824E-1F6E4F68F943}"/>
+              </a:ext>
+            </a:extLst>
+          </p:cNvPr>
+          <p:cNvSpPr txBox="1"/>
+          <p:nvPr/>
+        </p:nvSpPr>
+        <p:spPr>
+          <a:xfrm>
+            <a:off x="3962071" y="4740830"/>
+            <a:ext cx="486030" cy="369332"/>
+          </a:xfrm>
+          <a:prstGeom prst="rect">
+            <a:avLst/>
+          </a:prstGeom>
+          <a:noFill/>
+        </p:spPr>
+        <p:txBody>
+          <a:bodyPr wrap="none" rtlCol="0">
+            <a:spAutoFit/>
+          </a:bodyPr>
+          <a:lstStyle/>
+          <a:p>
+            <a:r>
+              <a:rPr lang="en-US" dirty="0">
+                <a:solidFill>
+                  <a:srgbClr val="0070C0"/>
+                </a:solidFill>
+              </a:rPr>
+              <a:t>3m</a:t>
+            </a:r>
+          </a:p>
+        </p:txBody>
+      </p:sp>
+      <p:sp>
+        <p:nvSpPr>
+          <p:cNvPr id="15" name="TextBox 14">
+            <a:extLst>
+              <a:ext uri="{FF2B5EF4-FFF2-40B4-BE49-F238E27FC236}">
+                <a16:creationId xmlns:a16="http://schemas.microsoft.com/office/drawing/2014/main" id="{F47EFC76-C1D0-4562-A09D-AD5F1414DCD7}"/>
+              </a:ext>
+            </a:extLst>
+          </p:cNvPr>
+          <p:cNvSpPr txBox="1"/>
+          <p:nvPr/>
+        </p:nvSpPr>
+        <p:spPr>
+          <a:xfrm>
+            <a:off x="4676881" y="4757261"/>
+            <a:ext cx="486030" cy="369332"/>
+          </a:xfrm>
+          <a:prstGeom prst="rect">
+            <a:avLst/>
+          </a:prstGeom>
+          <a:noFill/>
+        </p:spPr>
+        <p:txBody>
+          <a:bodyPr wrap="none" rtlCol="0">
+            <a:spAutoFit/>
+          </a:bodyPr>
+          <a:lstStyle/>
+          <a:p>
+            <a:r>
+              <a:rPr lang="en-US" dirty="0">
+                <a:solidFill>
+                  <a:srgbClr val="0070C0"/>
+                </a:solidFill>
+              </a:rPr>
+              <a:t>2m</a:t>
+            </a:r>
+          </a:p>
+        </p:txBody>
+      </p:sp>
+    </p:spTree>
+    <p:extLst>
+      <p:ext uri="{BB962C8B-B14F-4D97-AF65-F5344CB8AC3E}">
+        <p14:creationId xmlns:p14="http://schemas.microsoft.com/office/powerpoint/2010/main" val="3932702653"/>
+      </p:ext>
+    </p:extLst>
+  </p:cSld>
+  <p:clrMapOvr>
+    <a:masterClrMapping/>
+  </p:clrMapOvr>
+</p:sld>
+</file>
+
+<file path=ppt/slides/slide12.xml><?xml version="1.0" encoding="utf-8"?>
+<p:sld xmlns:a="http://schemas.openxmlformats.org/drawingml/2006/main" xmlns:r="http://schemas.openxmlformats.org/officeDocument/2006/relationships" xmlns:p="http://schemas.openxmlformats.org/presentationml/2006/main">
+  <p:cSld>
+    <p:spTree>
+      <p:nvGrpSpPr>
+        <p:cNvPr id="1" name=""/>
+        <p:cNvGrpSpPr/>
+        <p:nvPr/>
+      </p:nvGrpSpPr>
+      <p:grpSpPr>
+        <a:xfrm>
+          <a:off x="0" y="0"/>
+          <a:ext cx="0" cy="0"/>
+          <a:chOff x="0" y="0"/>
+          <a:chExt cx="0" cy="0"/>
+        </a:xfrm>
+      </p:grpSpPr>
+      <p:sp>
+        <p:nvSpPr>
+          <p:cNvPr id="2" name="Title 1">
+            <a:extLst>
+              <a:ext uri="{FF2B5EF4-FFF2-40B4-BE49-F238E27FC236}">
+                <a16:creationId xmlns:a16="http://schemas.microsoft.com/office/drawing/2014/main" id="{AC90E9AB-558F-4799-A346-EE79B88ECDA5}"/>
+              </a:ext>
+            </a:extLst>
+          </p:cNvPr>
+          <p:cNvSpPr>
+            <a:spLocks noGrp="1"/>
+          </p:cNvSpPr>
+          <p:nvPr>
+            <p:ph type="title"/>
+          </p:nvPr>
+        </p:nvSpPr>
+        <p:spPr/>
+        <p:txBody>
+          <a:bodyPr/>
+          <a:lstStyle/>
+          <a:p>
+            <a:r>
+              <a:rPr lang="en-US" dirty="0"/>
+              <a:t>Worked Example</a:t>
+            </a:r>
+          </a:p>
+        </p:txBody>
+      </p:sp>
+      <p:sp>
+        <p:nvSpPr>
+          <p:cNvPr id="3" name="Content Placeholder 2">
+            <a:extLst>
+              <a:ext uri="{FF2B5EF4-FFF2-40B4-BE49-F238E27FC236}">
+                <a16:creationId xmlns:a16="http://schemas.microsoft.com/office/drawing/2014/main" id="{E47A32C1-CEEA-44B4-87D2-887677C7A31B}"/>
+              </a:ext>
+            </a:extLst>
+          </p:cNvPr>
+          <p:cNvSpPr>
+            <a:spLocks noGrp="1"/>
+          </p:cNvSpPr>
+          <p:nvPr>
+            <p:ph idx="1"/>
+          </p:nvPr>
+        </p:nvSpPr>
+        <p:spPr>
+          <a:xfrm>
+            <a:off x="457200" y="1600201"/>
             <a:ext cx="8229600" cy="2362199"/>
           </a:xfrm>
         </p:spPr>
@@ -3941,7 +4299,7 @@
     </p:spTree>
     <p:extLst>
       <p:ext uri="{BB962C8B-B14F-4D97-AF65-F5344CB8AC3E}">
-        <p14:creationId xmlns:p14="http://schemas.microsoft.com/office/powerpoint/2010/main" val="3932702653"/>
+        <p14:creationId xmlns:p14="http://schemas.microsoft.com/office/powerpoint/2010/main" val="2501150811"/>
       </p:ext>
     </p:extLst>
   </p:cSld>
@@ -3951,7 +4309,7 @@
 </p:sld>
 </file>
 
-<file path=ppt/slides/slide12.xml><?xml version="1.0" encoding="utf-8"?>
+<file path=ppt/slides/slide13.xml><?xml version="1.0" encoding="utf-8"?>
 <p:sld xmlns:a="http://schemas.openxmlformats.org/drawingml/2006/main" xmlns:r="http://schemas.openxmlformats.org/officeDocument/2006/relationships" xmlns:p="http://schemas.openxmlformats.org/presentationml/2006/main">
   <p:cSld>
     <p:spTree>
@@ -4082,6 +4440,771 @@
     <p:extLst>
       <p:ext uri="{BB962C8B-B14F-4D97-AF65-F5344CB8AC3E}">
         <p14:creationId xmlns:p14="http://schemas.microsoft.com/office/powerpoint/2010/main" val="816877177"/>
+      </p:ext>
+    </p:extLst>
+  </p:cSld>
+  <p:clrMapOvr>
+    <a:masterClrMapping/>
+  </p:clrMapOvr>
+</p:sld>
+</file>
+
+<file path=ppt/slides/slide14.xml><?xml version="1.0" encoding="utf-8"?>
+<p:sld xmlns:a="http://schemas.openxmlformats.org/drawingml/2006/main" xmlns:r="http://schemas.openxmlformats.org/officeDocument/2006/relationships" xmlns:p="http://schemas.openxmlformats.org/presentationml/2006/main">
+  <p:cSld>
+    <p:spTree>
+      <p:nvGrpSpPr>
+        <p:cNvPr id="1" name=""/>
+        <p:cNvGrpSpPr/>
+        <p:nvPr/>
+      </p:nvGrpSpPr>
+      <p:grpSpPr>
+        <a:xfrm>
+          <a:off x="0" y="0"/>
+          <a:ext cx="0" cy="0"/>
+          <a:chOff x="0" y="0"/>
+          <a:chExt cx="0" cy="0"/>
+        </a:xfrm>
+      </p:grpSpPr>
+      <p:sp>
+        <p:nvSpPr>
+          <p:cNvPr id="2" name="Title 1">
+            <a:extLst>
+              <a:ext uri="{FF2B5EF4-FFF2-40B4-BE49-F238E27FC236}">
+                <a16:creationId xmlns:a16="http://schemas.microsoft.com/office/drawing/2014/main" id="{90A5AF97-96A7-46E9-985C-747FA7D5F3CE}"/>
+              </a:ext>
+            </a:extLst>
+          </p:cNvPr>
+          <p:cNvSpPr>
+            <a:spLocks noGrp="1"/>
+          </p:cNvSpPr>
+          <p:nvPr>
+            <p:ph type="title"/>
+          </p:nvPr>
+        </p:nvSpPr>
+        <p:spPr/>
+        <p:txBody>
+          <a:bodyPr/>
+          <a:lstStyle/>
+          <a:p>
+            <a:r>
+              <a:rPr lang="en-US" dirty="0"/>
+              <a:t>Worked Example</a:t>
+            </a:r>
+          </a:p>
+        </p:txBody>
+      </p:sp>
+      <p:sp>
+        <p:nvSpPr>
+          <p:cNvPr id="3" name="Content Placeholder 2">
+            <a:extLst>
+              <a:ext uri="{FF2B5EF4-FFF2-40B4-BE49-F238E27FC236}">
+                <a16:creationId xmlns:a16="http://schemas.microsoft.com/office/drawing/2014/main" id="{CBB03973-1EA1-4235-8EFC-6398289050EC}"/>
+              </a:ext>
+            </a:extLst>
+          </p:cNvPr>
+          <p:cNvSpPr>
+            <a:spLocks noGrp="1"/>
+          </p:cNvSpPr>
+          <p:nvPr>
+            <p:ph idx="1"/>
+          </p:nvPr>
+        </p:nvSpPr>
+        <p:spPr>
+          <a:xfrm>
+            <a:off x="457200" y="1600200"/>
+            <a:ext cx="8229600" cy="2362199"/>
+          </a:xfrm>
+        </p:spPr>
+        <p:txBody>
+          <a:bodyPr>
+            <a:normAutofit fontScale="70000" lnSpcReduction="20000"/>
+          </a:bodyPr>
+          <a:lstStyle/>
+          <a:p>
+            <a:r>
+              <a:rPr lang="en-US" dirty="0"/>
+              <a:t>In an alternate cranberry sorter machine, cranberries are launched at a horizontal metal plate with an initial velocity of 2 m/s downwards at a 30-degree angle as shown below. The cranberries then bounce off the plate into one of two baskets, a closer one for bad cranberries and a farther one for good cranberries. If the cranberries are supposed to have a coefficient of restitution of 0.8 or greater, how far away should the edge of the good cranberry bucket be?</a:t>
+            </a:r>
+          </a:p>
+        </p:txBody>
+      </p:sp>
+      <p:sp>
+        <p:nvSpPr>
+          <p:cNvPr id="4" name="Slide Number Placeholder 3">
+            <a:extLst>
+              <a:ext uri="{FF2B5EF4-FFF2-40B4-BE49-F238E27FC236}">
+                <a16:creationId xmlns:a16="http://schemas.microsoft.com/office/drawing/2014/main" id="{7C128F96-9462-4F83-9312-C97E8AE89C78}"/>
+              </a:ext>
+            </a:extLst>
+          </p:cNvPr>
+          <p:cNvSpPr>
+            <a:spLocks noGrp="1"/>
+          </p:cNvSpPr>
+          <p:nvPr>
+            <p:ph type="sldNum" sz="quarter" idx="12"/>
+          </p:nvPr>
+        </p:nvSpPr>
+        <p:spPr/>
+        <p:txBody>
+          <a:bodyPr/>
+          <a:lstStyle/>
+          <a:p>
+            <a:fld id="{929262FE-7F58-4A1E-8AF3-5A510A86DEBD}" type="slidenum">
+              <a:rPr lang="en-US" smtClean="0"/>
+              <a:t>14</a:t>
+            </a:fld>
+            <a:endParaRPr lang="en-US" dirty="0"/>
+          </a:p>
+        </p:txBody>
+      </p:sp>
+      <p:sp>
+        <p:nvSpPr>
+          <p:cNvPr id="5" name="Oval 4">
+            <a:extLst>
+              <a:ext uri="{FF2B5EF4-FFF2-40B4-BE49-F238E27FC236}">
+                <a16:creationId xmlns:a16="http://schemas.microsoft.com/office/drawing/2014/main" id="{9434136E-D39F-43FE-A507-0189AACB1762}"/>
+              </a:ext>
+            </a:extLst>
+          </p:cNvPr>
+          <p:cNvSpPr/>
+          <p:nvPr/>
+        </p:nvSpPr>
+        <p:spPr>
+          <a:xfrm>
+            <a:off x="2146935" y="5514975"/>
+            <a:ext cx="274320" cy="274320"/>
+          </a:xfrm>
+          <a:prstGeom prst="ellipse">
+            <a:avLst/>
+          </a:prstGeom>
+        </p:spPr>
+        <p:style>
+          <a:lnRef idx="2">
+            <a:schemeClr val="accent2">
+              <a:shade val="50000"/>
+            </a:schemeClr>
+          </a:lnRef>
+          <a:fillRef idx="1">
+            <a:schemeClr val="accent2"/>
+          </a:fillRef>
+          <a:effectRef idx="0">
+            <a:schemeClr val="accent2"/>
+          </a:effectRef>
+          <a:fontRef idx="minor">
+            <a:schemeClr val="lt1"/>
+          </a:fontRef>
+        </p:style>
+        <p:txBody>
+          <a:bodyPr rtlCol="0" anchor="ctr"/>
+          <a:lstStyle/>
+          <a:p>
+            <a:pPr algn="ctr"/>
+            <a:endParaRPr lang="en-US"/>
+          </a:p>
+        </p:txBody>
+      </p:sp>
+      <p:sp>
+        <p:nvSpPr>
+          <p:cNvPr id="6" name="Rectangle 5">
+            <a:extLst>
+              <a:ext uri="{FF2B5EF4-FFF2-40B4-BE49-F238E27FC236}">
+                <a16:creationId xmlns:a16="http://schemas.microsoft.com/office/drawing/2014/main" id="{12D940B6-E406-4557-BDE8-8898DECD9FBC}"/>
+              </a:ext>
+            </a:extLst>
+          </p:cNvPr>
+          <p:cNvSpPr/>
+          <p:nvPr/>
+        </p:nvSpPr>
+        <p:spPr>
+          <a:xfrm>
+            <a:off x="1064895" y="5807709"/>
+            <a:ext cx="2438400" cy="274320"/>
+          </a:xfrm>
+          <a:prstGeom prst="rect">
+            <a:avLst/>
+          </a:prstGeom>
+        </p:spPr>
+        <p:style>
+          <a:lnRef idx="1">
+            <a:schemeClr val="dk1"/>
+          </a:lnRef>
+          <a:fillRef idx="2">
+            <a:schemeClr val="dk1"/>
+          </a:fillRef>
+          <a:effectRef idx="1">
+            <a:schemeClr val="dk1"/>
+          </a:effectRef>
+          <a:fontRef idx="minor">
+            <a:schemeClr val="dk1"/>
+          </a:fontRef>
+        </p:style>
+        <p:txBody>
+          <a:bodyPr rtlCol="0" anchor="ctr"/>
+          <a:lstStyle/>
+          <a:p>
+            <a:pPr algn="ctr"/>
+            <a:endParaRPr lang="en-US"/>
+          </a:p>
+        </p:txBody>
+      </p:sp>
+      <p:cxnSp>
+        <p:nvCxnSpPr>
+          <p:cNvPr id="8" name="Straight Arrow Connector 7">
+            <a:extLst>
+              <a:ext uri="{FF2B5EF4-FFF2-40B4-BE49-F238E27FC236}">
+                <a16:creationId xmlns:a16="http://schemas.microsoft.com/office/drawing/2014/main" id="{2F8CE4D7-7D4C-453B-B4DE-CFA7BF116231}"/>
+              </a:ext>
+            </a:extLst>
+          </p:cNvPr>
+          <p:cNvCxnSpPr/>
+          <p:nvPr/>
+        </p:nvCxnSpPr>
+        <p:spPr>
+          <a:xfrm>
+            <a:off x="1047750" y="4629150"/>
+            <a:ext cx="1066800" cy="914400"/>
+          </a:xfrm>
+          <a:prstGeom prst="straightConnector1">
+            <a:avLst/>
+          </a:prstGeom>
+          <a:ln w="19050">
+            <a:prstDash val="dash"/>
+            <a:headEnd type="none" w="med" len="med"/>
+            <a:tailEnd type="arrow" w="med" len="med"/>
+          </a:ln>
+        </p:spPr>
+        <p:style>
+          <a:lnRef idx="1">
+            <a:schemeClr val="accent1"/>
+          </a:lnRef>
+          <a:fillRef idx="0">
+            <a:schemeClr val="accent1"/>
+          </a:fillRef>
+          <a:effectRef idx="0">
+            <a:schemeClr val="accent1"/>
+          </a:effectRef>
+          <a:fontRef idx="minor">
+            <a:schemeClr val="tx1"/>
+          </a:fontRef>
+        </p:style>
+      </p:cxnSp>
+      <p:sp>
+        <p:nvSpPr>
+          <p:cNvPr id="11" name="Rectangle: Top Corners Snipped 10">
+            <a:extLst>
+              <a:ext uri="{FF2B5EF4-FFF2-40B4-BE49-F238E27FC236}">
+                <a16:creationId xmlns:a16="http://schemas.microsoft.com/office/drawing/2014/main" id="{9D7C947A-B880-4118-9B22-87A876FE739E}"/>
+              </a:ext>
+            </a:extLst>
+          </p:cNvPr>
+          <p:cNvSpPr/>
+          <p:nvPr/>
+        </p:nvSpPr>
+        <p:spPr>
+          <a:xfrm rot="10800000">
+            <a:off x="3535680" y="5807709"/>
+            <a:ext cx="2438400" cy="885825"/>
+          </a:xfrm>
+          <a:prstGeom prst="snip2SameRect">
+            <a:avLst/>
+          </a:prstGeom>
+        </p:spPr>
+        <p:style>
+          <a:lnRef idx="2">
+            <a:schemeClr val="accent1">
+              <a:shade val="50000"/>
+            </a:schemeClr>
+          </a:lnRef>
+          <a:fillRef idx="1">
+            <a:schemeClr val="accent1"/>
+          </a:fillRef>
+          <a:effectRef idx="0">
+            <a:schemeClr val="accent1"/>
+          </a:effectRef>
+          <a:fontRef idx="minor">
+            <a:schemeClr val="lt1"/>
+          </a:fontRef>
+        </p:style>
+        <p:txBody>
+          <a:bodyPr rtlCol="0" anchor="ctr"/>
+          <a:lstStyle/>
+          <a:p>
+            <a:pPr algn="ctr"/>
+            <a:endParaRPr lang="en-US"/>
+          </a:p>
+        </p:txBody>
+      </p:sp>
+      <p:sp>
+        <p:nvSpPr>
+          <p:cNvPr id="12" name="Rectangle: Top Corners Snipped 11">
+            <a:extLst>
+              <a:ext uri="{FF2B5EF4-FFF2-40B4-BE49-F238E27FC236}">
+                <a16:creationId xmlns:a16="http://schemas.microsoft.com/office/drawing/2014/main" id="{F0426A62-E7F7-4163-A968-FBB4C461D6B5}"/>
+              </a:ext>
+            </a:extLst>
+          </p:cNvPr>
+          <p:cNvSpPr/>
+          <p:nvPr/>
+        </p:nvSpPr>
+        <p:spPr>
+          <a:xfrm rot="10800000">
+            <a:off x="5996939" y="5808345"/>
+            <a:ext cx="2438400" cy="885825"/>
+          </a:xfrm>
+          <a:prstGeom prst="snip2SameRect">
+            <a:avLst/>
+          </a:prstGeom>
+        </p:spPr>
+        <p:style>
+          <a:lnRef idx="2">
+            <a:schemeClr val="accent1">
+              <a:shade val="50000"/>
+            </a:schemeClr>
+          </a:lnRef>
+          <a:fillRef idx="1">
+            <a:schemeClr val="accent1"/>
+          </a:fillRef>
+          <a:effectRef idx="0">
+            <a:schemeClr val="accent1"/>
+          </a:effectRef>
+          <a:fontRef idx="minor">
+            <a:schemeClr val="lt1"/>
+          </a:fontRef>
+        </p:style>
+        <p:txBody>
+          <a:bodyPr rtlCol="0" anchor="ctr"/>
+          <a:lstStyle/>
+          <a:p>
+            <a:pPr algn="ctr"/>
+            <a:endParaRPr lang="en-US"/>
+          </a:p>
+        </p:txBody>
+      </p:sp>
+      <p:sp>
+        <p:nvSpPr>
+          <p:cNvPr id="13" name="Arc 12">
+            <a:extLst>
+              <a:ext uri="{FF2B5EF4-FFF2-40B4-BE49-F238E27FC236}">
+                <a16:creationId xmlns:a16="http://schemas.microsoft.com/office/drawing/2014/main" id="{62EC86CB-4902-4E3D-96A1-EFA5E98694CD}"/>
+              </a:ext>
+            </a:extLst>
+          </p:cNvPr>
+          <p:cNvSpPr/>
+          <p:nvPr/>
+        </p:nvSpPr>
+        <p:spPr>
+          <a:xfrm>
+            <a:off x="2392680" y="5143182"/>
+            <a:ext cx="3581400" cy="1151255"/>
+          </a:xfrm>
+          <a:prstGeom prst="arc">
+            <a:avLst>
+              <a:gd name="adj1" fmla="val 11199266"/>
+              <a:gd name="adj2" fmla="val 21235654"/>
+            </a:avLst>
+          </a:prstGeom>
+          <a:ln w="19050">
+            <a:prstDash val="dash"/>
+          </a:ln>
+        </p:spPr>
+        <p:style>
+          <a:lnRef idx="1">
+            <a:schemeClr val="accent1"/>
+          </a:lnRef>
+          <a:fillRef idx="0">
+            <a:schemeClr val="accent1"/>
+          </a:fillRef>
+          <a:effectRef idx="0">
+            <a:schemeClr val="accent1"/>
+          </a:effectRef>
+          <a:fontRef idx="minor">
+            <a:schemeClr val="tx1"/>
+          </a:fontRef>
+        </p:style>
+        <p:txBody>
+          <a:bodyPr rtlCol="0" anchor="ctr"/>
+          <a:lstStyle/>
+          <a:p>
+            <a:pPr algn="ctr"/>
+            <a:endParaRPr lang="en-US"/>
+          </a:p>
+        </p:txBody>
+      </p:sp>
+      <p:sp>
+        <p:nvSpPr>
+          <p:cNvPr id="15" name="TextBox 14">
+            <a:extLst>
+              <a:ext uri="{FF2B5EF4-FFF2-40B4-BE49-F238E27FC236}">
+                <a16:creationId xmlns:a16="http://schemas.microsoft.com/office/drawing/2014/main" id="{49E74916-18B6-4BC3-BEFD-E7195A1F934C}"/>
+              </a:ext>
+            </a:extLst>
+          </p:cNvPr>
+          <p:cNvSpPr txBox="1"/>
+          <p:nvPr/>
+        </p:nvSpPr>
+        <p:spPr>
+          <a:xfrm>
+            <a:off x="3992879" y="6074112"/>
+            <a:ext cx="1524000" cy="369332"/>
+          </a:xfrm>
+          <a:prstGeom prst="rect">
+            <a:avLst/>
+          </a:prstGeom>
+          <a:noFill/>
+        </p:spPr>
+        <p:txBody>
+          <a:bodyPr wrap="square" rtlCol="0">
+            <a:spAutoFit/>
+          </a:bodyPr>
+          <a:lstStyle/>
+          <a:p>
+            <a:pPr algn="ctr"/>
+            <a:r>
+              <a:rPr lang="en-US" dirty="0">
+                <a:solidFill>
+                  <a:schemeClr val="bg1"/>
+                </a:solidFill>
+              </a:rPr>
+              <a:t>Bad Berries</a:t>
+            </a:r>
+          </a:p>
+        </p:txBody>
+      </p:sp>
+      <p:sp>
+        <p:nvSpPr>
+          <p:cNvPr id="16" name="TextBox 15">
+            <a:extLst>
+              <a:ext uri="{FF2B5EF4-FFF2-40B4-BE49-F238E27FC236}">
+                <a16:creationId xmlns:a16="http://schemas.microsoft.com/office/drawing/2014/main" id="{32558C3D-4D4D-43CC-AC9C-10CDF055A68D}"/>
+              </a:ext>
+            </a:extLst>
+          </p:cNvPr>
+          <p:cNvSpPr txBox="1"/>
+          <p:nvPr/>
+        </p:nvSpPr>
+        <p:spPr>
+          <a:xfrm>
+            <a:off x="6454139" y="6074112"/>
+            <a:ext cx="1524000" cy="369332"/>
+          </a:xfrm>
+          <a:prstGeom prst="rect">
+            <a:avLst/>
+          </a:prstGeom>
+          <a:noFill/>
+        </p:spPr>
+        <p:txBody>
+          <a:bodyPr wrap="square" rtlCol="0">
+            <a:spAutoFit/>
+          </a:bodyPr>
+          <a:lstStyle/>
+          <a:p>
+            <a:pPr algn="ctr"/>
+            <a:r>
+              <a:rPr lang="en-US" dirty="0">
+                <a:solidFill>
+                  <a:schemeClr val="bg1"/>
+                </a:solidFill>
+              </a:rPr>
+              <a:t>Good Berries</a:t>
+            </a:r>
+          </a:p>
+        </p:txBody>
+      </p:sp>
+      <p:cxnSp>
+        <p:nvCxnSpPr>
+          <p:cNvPr id="18" name="Straight Connector 17">
+            <a:extLst>
+              <a:ext uri="{FF2B5EF4-FFF2-40B4-BE49-F238E27FC236}">
+                <a16:creationId xmlns:a16="http://schemas.microsoft.com/office/drawing/2014/main" id="{04B4CA11-DAAC-4AEB-8749-15442B76E930}"/>
+              </a:ext>
+            </a:extLst>
+          </p:cNvPr>
+          <p:cNvCxnSpPr>
+            <a:cxnSpLocks/>
+          </p:cNvCxnSpPr>
+          <p:nvPr/>
+        </p:nvCxnSpPr>
+        <p:spPr>
+          <a:xfrm flipV="1">
+            <a:off x="2293620" y="4314825"/>
+            <a:ext cx="0" cy="1066800"/>
+          </a:xfrm>
+          <a:prstGeom prst="line">
+            <a:avLst/>
+          </a:prstGeom>
+        </p:spPr>
+        <p:style>
+          <a:lnRef idx="1">
+            <a:schemeClr val="accent1"/>
+          </a:lnRef>
+          <a:fillRef idx="0">
+            <a:schemeClr val="accent1"/>
+          </a:fillRef>
+          <a:effectRef idx="0">
+            <a:schemeClr val="accent1"/>
+          </a:effectRef>
+          <a:fontRef idx="minor">
+            <a:schemeClr val="tx1"/>
+          </a:fontRef>
+        </p:style>
+      </p:cxnSp>
+      <p:cxnSp>
+        <p:nvCxnSpPr>
+          <p:cNvPr id="19" name="Straight Connector 18">
+            <a:extLst>
+              <a:ext uri="{FF2B5EF4-FFF2-40B4-BE49-F238E27FC236}">
+                <a16:creationId xmlns:a16="http://schemas.microsoft.com/office/drawing/2014/main" id="{007F6A19-8B92-4A96-900F-B8CF5852C510}"/>
+              </a:ext>
+            </a:extLst>
+          </p:cNvPr>
+          <p:cNvCxnSpPr>
+            <a:cxnSpLocks/>
+          </p:cNvCxnSpPr>
+          <p:nvPr/>
+        </p:nvCxnSpPr>
+        <p:spPr>
+          <a:xfrm flipV="1">
+            <a:off x="5987414" y="4314825"/>
+            <a:ext cx="0" cy="1066800"/>
+          </a:xfrm>
+          <a:prstGeom prst="line">
+            <a:avLst/>
+          </a:prstGeom>
+        </p:spPr>
+        <p:style>
+          <a:lnRef idx="1">
+            <a:schemeClr val="accent1"/>
+          </a:lnRef>
+          <a:fillRef idx="0">
+            <a:schemeClr val="accent1"/>
+          </a:fillRef>
+          <a:effectRef idx="0">
+            <a:schemeClr val="accent1"/>
+          </a:effectRef>
+          <a:fontRef idx="minor">
+            <a:schemeClr val="tx1"/>
+          </a:fontRef>
+        </p:style>
+      </p:cxnSp>
+      <p:cxnSp>
+        <p:nvCxnSpPr>
+          <p:cNvPr id="20" name="Straight Connector 19">
+            <a:extLst>
+              <a:ext uri="{FF2B5EF4-FFF2-40B4-BE49-F238E27FC236}">
+                <a16:creationId xmlns:a16="http://schemas.microsoft.com/office/drawing/2014/main" id="{FB8C5631-FAF2-4BE5-8F9B-6B286C91A6E6}"/>
+              </a:ext>
+            </a:extLst>
+          </p:cNvPr>
+          <p:cNvCxnSpPr>
+            <a:cxnSpLocks/>
+          </p:cNvCxnSpPr>
+          <p:nvPr/>
+        </p:nvCxnSpPr>
+        <p:spPr>
+          <a:xfrm>
+            <a:off x="2293620" y="4572000"/>
+            <a:ext cx="3680460" cy="1"/>
+          </a:xfrm>
+          <a:prstGeom prst="line">
+            <a:avLst/>
+          </a:prstGeom>
+        </p:spPr>
+        <p:style>
+          <a:lnRef idx="1">
+            <a:schemeClr val="accent1"/>
+          </a:lnRef>
+          <a:fillRef idx="0">
+            <a:schemeClr val="accent1"/>
+          </a:fillRef>
+          <a:effectRef idx="0">
+            <a:schemeClr val="accent1"/>
+          </a:effectRef>
+          <a:fontRef idx="minor">
+            <a:schemeClr val="tx1"/>
+          </a:fontRef>
+        </p:style>
+      </p:cxnSp>
+      <p:sp>
+        <p:nvSpPr>
+          <p:cNvPr id="23" name="TextBox 22">
+            <a:extLst>
+              <a:ext uri="{FF2B5EF4-FFF2-40B4-BE49-F238E27FC236}">
+                <a16:creationId xmlns:a16="http://schemas.microsoft.com/office/drawing/2014/main" id="{66E8DEF8-3389-4B28-97C8-D36B15B06850}"/>
+              </a:ext>
+            </a:extLst>
+          </p:cNvPr>
+          <p:cNvSpPr txBox="1"/>
+          <p:nvPr/>
+        </p:nvSpPr>
+        <p:spPr>
+          <a:xfrm>
+            <a:off x="3971078" y="4387334"/>
+            <a:ext cx="306494" cy="369332"/>
+          </a:xfrm>
+          <a:prstGeom prst="rect">
+            <a:avLst/>
+          </a:prstGeom>
+          <a:solidFill>
+            <a:schemeClr val="bg1"/>
+          </a:solidFill>
+        </p:spPr>
+        <p:txBody>
+          <a:bodyPr wrap="none" rtlCol="0">
+            <a:spAutoFit/>
+          </a:bodyPr>
+          <a:lstStyle/>
+          <a:p>
+            <a:r>
+              <a:rPr lang="en-US" dirty="0">
+                <a:solidFill>
+                  <a:srgbClr val="0070C0"/>
+                </a:solidFill>
+              </a:rPr>
+              <a:t>d</a:t>
+            </a:r>
+          </a:p>
+        </p:txBody>
+      </p:sp>
+      <p:sp>
+        <p:nvSpPr>
+          <p:cNvPr id="24" name="TextBox 23">
+            <a:extLst>
+              <a:ext uri="{FF2B5EF4-FFF2-40B4-BE49-F238E27FC236}">
+                <a16:creationId xmlns:a16="http://schemas.microsoft.com/office/drawing/2014/main" id="{7E7A5244-AA55-4901-BC15-17B9A7B585BC}"/>
+              </a:ext>
+            </a:extLst>
+          </p:cNvPr>
+          <p:cNvSpPr txBox="1"/>
+          <p:nvPr/>
+        </p:nvSpPr>
+        <p:spPr>
+          <a:xfrm>
+            <a:off x="606638" y="4232076"/>
+            <a:ext cx="714042" cy="369332"/>
+          </a:xfrm>
+          <a:prstGeom prst="rect">
+            <a:avLst/>
+          </a:prstGeom>
+          <a:solidFill>
+            <a:schemeClr val="bg1"/>
+          </a:solidFill>
+        </p:spPr>
+        <p:txBody>
+          <a:bodyPr wrap="none" rtlCol="0">
+            <a:spAutoFit/>
+          </a:bodyPr>
+          <a:lstStyle/>
+          <a:p>
+            <a:r>
+              <a:rPr lang="en-US" dirty="0">
+                <a:solidFill>
+                  <a:srgbClr val="0070C0"/>
+                </a:solidFill>
+              </a:rPr>
+              <a:t>2 m/s</a:t>
+            </a:r>
+          </a:p>
+        </p:txBody>
+      </p:sp>
+      <p:sp>
+        <p:nvSpPr>
+          <p:cNvPr id="25" name="Arc 24">
+            <a:extLst>
+              <a:ext uri="{FF2B5EF4-FFF2-40B4-BE49-F238E27FC236}">
+                <a16:creationId xmlns:a16="http://schemas.microsoft.com/office/drawing/2014/main" id="{358C25FC-DDE3-4E5C-88A6-DAD1F9CDC9AF}"/>
+              </a:ext>
+            </a:extLst>
+          </p:cNvPr>
+          <p:cNvSpPr/>
+          <p:nvPr/>
+        </p:nvSpPr>
+        <p:spPr>
+          <a:xfrm>
+            <a:off x="1600200" y="5105400"/>
+            <a:ext cx="1371600" cy="1371600"/>
+          </a:xfrm>
+          <a:prstGeom prst="arc">
+            <a:avLst>
+              <a:gd name="adj1" fmla="val 10683511"/>
+              <a:gd name="adj2" fmla="val 13476993"/>
+            </a:avLst>
+          </a:prstGeom>
+        </p:spPr>
+        <p:style>
+          <a:lnRef idx="1">
+            <a:schemeClr val="accent1"/>
+          </a:lnRef>
+          <a:fillRef idx="0">
+            <a:schemeClr val="accent1"/>
+          </a:fillRef>
+          <a:effectRef idx="0">
+            <a:schemeClr val="accent1"/>
+          </a:effectRef>
+          <a:fontRef idx="minor">
+            <a:schemeClr val="tx1"/>
+          </a:fontRef>
+        </p:style>
+        <p:txBody>
+          <a:bodyPr rtlCol="0" anchor="ctr"/>
+          <a:lstStyle/>
+          <a:p>
+            <a:pPr algn="ctr"/>
+            <a:endParaRPr lang="en-US"/>
+          </a:p>
+        </p:txBody>
+      </p:sp>
+      <p:sp>
+        <p:nvSpPr>
+          <p:cNvPr id="26" name="TextBox 25">
+            <a:extLst>
+              <a:ext uri="{FF2B5EF4-FFF2-40B4-BE49-F238E27FC236}">
+                <a16:creationId xmlns:a16="http://schemas.microsoft.com/office/drawing/2014/main" id="{E2BBFE8B-886F-47C5-A1AF-85C2944086D6}"/>
+              </a:ext>
+            </a:extLst>
+          </p:cNvPr>
+          <p:cNvSpPr txBox="1"/>
+          <p:nvPr/>
+        </p:nvSpPr>
+        <p:spPr>
+          <a:xfrm>
+            <a:off x="1229283" y="5330309"/>
+            <a:ext cx="500458" cy="369332"/>
+          </a:xfrm>
+          <a:prstGeom prst="rect">
+            <a:avLst/>
+          </a:prstGeom>
+          <a:noFill/>
+        </p:spPr>
+        <p:txBody>
+          <a:bodyPr wrap="none" rtlCol="0">
+            <a:spAutoFit/>
+          </a:bodyPr>
+          <a:lstStyle/>
+          <a:p>
+            <a:r>
+              <a:rPr lang="en-US" dirty="0">
+                <a:solidFill>
+                  <a:srgbClr val="0070C0"/>
+                </a:solidFill>
+              </a:rPr>
+              <a:t>30</a:t>
+            </a:r>
+            <a:r>
+              <a:rPr lang="en-US" baseline="30000" dirty="0">
+                <a:solidFill>
+                  <a:srgbClr val="0070C0"/>
+                </a:solidFill>
+              </a:rPr>
+              <a:t>o</a:t>
+            </a:r>
+          </a:p>
+        </p:txBody>
+      </p:sp>
+    </p:spTree>
+    <p:extLst>
+      <p:ext uri="{BB962C8B-B14F-4D97-AF65-F5344CB8AC3E}">
+        <p14:creationId xmlns:p14="http://schemas.microsoft.com/office/powerpoint/2010/main" val="2598549323"/>
       </p:ext>
     </p:extLst>
   </p:cSld>
@@ -4533,8 +5656,8 @@
           </a:p>
         </p:txBody>
       </p:sp>
-      <mc:AlternateContent xmlns:mc="http://schemas.openxmlformats.org/markup-compatibility/2006">
-        <mc:Choice xmlns:a14="http://schemas.microsoft.com/office/drawing/2010/main" Requires="a14">
+      <mc:AlternateContent xmlns:mc="http://schemas.openxmlformats.org/markup-compatibility/2006" xmlns:a14="http://schemas.microsoft.com/office/drawing/2010/main">
+        <mc:Choice Requires="a14">
           <p:sp>
             <p:nvSpPr>
               <p:cNvPr id="3" name="Content Placeholder 2">
@@ -4692,7 +5815,7 @@
             </p:txBody>
           </p:sp>
         </mc:Choice>
-        <mc:Fallback>
+        <mc:Fallback xmlns="">
           <p:sp>
             <p:nvSpPr>
               <p:cNvPr id="3" name="Content Placeholder 2">
@@ -9350,8 +10473,8 @@
           </a:p>
         </p:txBody>
       </p:sp>
-      <mc:AlternateContent xmlns:mc="http://schemas.openxmlformats.org/markup-compatibility/2006">
-        <mc:Choice xmlns:a14="http://schemas.microsoft.com/office/drawing/2010/main" Requires="a14">
+      <mc:AlternateContent xmlns:mc="http://schemas.openxmlformats.org/markup-compatibility/2006" xmlns:a14="http://schemas.microsoft.com/office/drawing/2010/main">
+        <mc:Choice Requires="a14">
           <p:sp>
             <p:nvSpPr>
               <p:cNvPr id="27" name="Content Placeholder 2">
@@ -9791,7 +10914,7 @@
             </p:txBody>
           </p:sp>
         </mc:Choice>
-        <mc:Fallback>
+        <mc:Fallback xmlns="">
           <p:sp>
             <p:nvSpPr>
               <p:cNvPr id="27" name="Content Placeholder 2">
@@ -11337,8 +12460,8 @@
           </a:p>
         </p:txBody>
       </p:sp>
-      <mc:AlternateContent xmlns:mc="http://schemas.openxmlformats.org/markup-compatibility/2006">
-        <mc:Choice xmlns:a14="http://schemas.microsoft.com/office/drawing/2010/main" Requires="a14">
+      <mc:AlternateContent xmlns:mc="http://schemas.openxmlformats.org/markup-compatibility/2006" xmlns:a14="http://schemas.microsoft.com/office/drawing/2010/main">
+        <mc:Choice Requires="a14">
           <p:sp>
             <p:nvSpPr>
               <p:cNvPr id="20" name="Content Placeholder 2">
@@ -11648,7 +12771,7 @@
             </p:txBody>
           </p:sp>
         </mc:Choice>
-        <mc:Fallback>
+        <mc:Fallback xmlns="">
           <p:sp>
             <p:nvSpPr>
               <p:cNvPr id="20" name="Content Placeholder 2">
@@ -13274,21 +14397,6 @@
 </file>
 
 <file path=customXml/item1.xml><?xml version="1.0" encoding="utf-8"?>
-<?mso-contentType ?>
-<FormTemplates xmlns="http://schemas.microsoft.com/sharepoint/v3/contenttype/forms">
-  <Display>DocumentLibraryForm</Display>
-  <Edit>DocumentLibraryForm</Edit>
-  <New>DocumentLibraryForm</New>
-</FormTemplates>
-</file>
-
-<file path=customXml/item2.xml><?xml version="1.0" encoding="utf-8"?>
-<p:properties xmlns:p="http://schemas.microsoft.com/office/2006/metadata/properties" xmlns:xsi="http://www.w3.org/2001/XMLSchema-instance" xmlns:pc="http://schemas.microsoft.com/office/infopath/2007/PartnerControls">
-  <documentManagement/>
-</p:properties>
-</file>
-
-<file path=customXml/item3.xml><?xml version="1.0" encoding="utf-8"?>
 <ct:contentTypeSchema xmlns:ct="http://schemas.microsoft.com/office/2006/metadata/contentType" xmlns:ma="http://schemas.microsoft.com/office/2006/metadata/properties/metaAttributes" ct:_="" ma:_="" ma:contentTypeName="Document" ma:contentTypeID="0x010100A06DF21F5BB2734A800ED30F3F452129" ma:contentTypeVersion="12" ma:contentTypeDescription="Create a new document." ma:contentTypeScope="" ma:versionID="544d96a5fbac5de9d5d902b535c73fb2">
   <xsd:schema xmlns:xsd="http://www.w3.org/2001/XMLSchema" xmlns:xs="http://www.w3.org/2001/XMLSchema" xmlns:p="http://schemas.microsoft.com/office/2006/metadata/properties" xmlns:ns3="90d05cb5-950f-4f68-bc2c-e17794455b92" xmlns:ns4="b4eab9fa-dbb0-4082-8491-8bd54207a265" targetNamespace="http://schemas.microsoft.com/office/2006/metadata/properties" ma:root="true" ma:fieldsID="7a710efc71c2169bf9c05e5a40dddf12" ns3:_="" ns4:_="">
     <xsd:import namespace="90d05cb5-950f-4f68-bc2c-e17794455b92"/>
@@ -13505,24 +14613,22 @@
 </ct:contentTypeSchema>
 </file>
 
-<file path=customXml/itemProps1.xml><?xml version="1.0" encoding="utf-8"?>
-<ds:datastoreItem xmlns:ds="http://schemas.openxmlformats.org/officeDocument/2006/customXml" ds:itemID="{F5CF5F32-56DC-4068-8B04-457CF34A96F3}">
-  <ds:schemaRefs>
-    <ds:schemaRef ds:uri="http://schemas.microsoft.com/sharepoint/v3/contenttype/forms"/>
-  </ds:schemaRefs>
-</ds:datastoreItem>
+<file path=customXml/item2.xml><?xml version="1.0" encoding="utf-8"?>
+<p:properties xmlns:p="http://schemas.microsoft.com/office/2006/metadata/properties" xmlns:xsi="http://www.w3.org/2001/XMLSchema-instance" xmlns:pc="http://schemas.microsoft.com/office/infopath/2007/PartnerControls">
+  <documentManagement/>
+</p:properties>
 </file>
 
-<file path=customXml/itemProps2.xml><?xml version="1.0" encoding="utf-8"?>
-<ds:datastoreItem xmlns:ds="http://schemas.openxmlformats.org/officeDocument/2006/customXml" ds:itemID="{52EB1464-66D1-425A-BBB5-7A9312BBE9C4}">
-  <ds:schemaRefs>
-    <ds:schemaRef ds:uri="http://schemas.microsoft.com/office/2006/metadata/properties"/>
-    <ds:schemaRef ds:uri="http://schemas.microsoft.com/office/infopath/2007/PartnerControls"/>
-  </ds:schemaRefs>
-</ds:datastoreItem>
+<file path=customXml/item3.xml><?xml version="1.0" encoding="utf-8"?>
+<?mso-contentType ?>
+<FormTemplates xmlns="http://schemas.microsoft.com/sharepoint/v3/contenttype/forms">
+  <Display>DocumentLibraryForm</Display>
+  <Edit>DocumentLibraryForm</Edit>
+  <New>DocumentLibraryForm</New>
+</FormTemplates>
 </file>
 
-<file path=customXml/itemProps3.xml><?xml version="1.0" encoding="utf-8"?>
+<file path=customXml/itemProps1.xml><?xml version="1.0" encoding="utf-8"?>
 <ds:datastoreItem xmlns:ds="http://schemas.openxmlformats.org/officeDocument/2006/customXml" ds:itemID="{A43B8A4B-79FE-4529-931C-D64224FA70E3}">
   <ds:schemaRefs>
     <ds:schemaRef ds:uri="http://schemas.microsoft.com/office/2006/metadata/contentType"/>
@@ -13539,4 +14645,21 @@
     <ds:schemaRef ds:uri="http://schemas.microsoft.com/internal/obd"/>
   </ds:schemaRefs>
 </ds:datastoreItem>
+</file>
+
+<file path=customXml/itemProps2.xml><?xml version="1.0" encoding="utf-8"?>
+<ds:datastoreItem xmlns:ds="http://schemas.openxmlformats.org/officeDocument/2006/customXml" ds:itemID="{52EB1464-66D1-425A-BBB5-7A9312BBE9C4}">
+  <ds:schemaRefs>
+    <ds:schemaRef ds:uri="http://schemas.microsoft.com/office/2006/metadata/properties"/>
+    <ds:schemaRef ds:uri="http://schemas.microsoft.com/office/infopath/2007/PartnerControls"/>
+  </ds:schemaRefs>
+</ds:datastoreItem>
+</file>
+
+<file path=customXml/itemProps3.xml><?xml version="1.0" encoding="utf-8"?>
+<ds:datastoreItem xmlns:ds="http://schemas.openxmlformats.org/officeDocument/2006/customXml" ds:itemID="{F5CF5F32-56DC-4068-8B04-457CF34A96F3}">
+  <ds:schemaRefs>
+    <ds:schemaRef ds:uri="http://schemas.microsoft.com/sharepoint/v3/contenttype/forms"/>
+  </ds:schemaRefs>
+</ds:datastoreItem>
 </file>